--- a/final-pres/final_workshop_pres.pptx
+++ b/final-pres/final_workshop_pres.pptx
@@ -26,16 +26,17 @@
     <p:sldId id="270" r:id="rId20"/>
     <p:sldId id="271" r:id="rId21"/>
     <p:sldId id="272" r:id="rId22"/>
+    <p:sldId id="273" r:id="rId23"/>
   </p:sldIdLst>
   <p:sldSz cy="6858000" cx="9144000"/>
   <p:notesSz cx="6858000" cy="9144000"/>
   <p:embeddedFontLst>
     <p:embeddedFont>
       <p:font typeface="Roboto"/>
-      <p:regular r:id="rId23"/>
-      <p:bold r:id="rId24"/>
-      <p:italic r:id="rId25"/>
-      <p:boldItalic r:id="rId26"/>
+      <p:regular r:id="rId24"/>
+      <p:bold r:id="rId25"/>
+      <p:italic r:id="rId26"/>
+      <p:boldItalic r:id="rId27"/>
     </p:embeddedFont>
   </p:embeddedFontLst>
   <p:defaultTextStyle>
@@ -609,7 +610,7 @@
         </p:nvSpPr>
         <p:spPr>
           <a:xfrm>
-            <a:off x="1143309" y="685800"/>
+            <a:off x="1143300" y="685800"/>
             <a:ext cx="4572000" cy="3429000"/>
           </a:xfrm>
           <a:custGeom>
@@ -682,7 +683,7 @@
   <p:cSld>
     <p:spTree>
       <p:nvGrpSpPr>
-        <p:cNvPr id="208" name="Shape 208"/>
+        <p:cNvPr id="210" name="Shape 210"/>
         <p:cNvGrpSpPr/>
         <p:nvPr/>
       </p:nvGrpSpPr>
@@ -696,7 +697,7 @@
       </p:grpSpPr>
       <p:sp>
         <p:nvSpPr>
-          <p:cNvPr id="209" name="Shape 209"/>
+          <p:cNvPr id="211" name="Shape 211"/>
           <p:cNvSpPr/>
           <p:nvPr>
             <p:ph idx="2" type="sldImg"/>
@@ -704,7 +705,7 @@
         </p:nvSpPr>
         <p:spPr>
           <a:xfrm>
-            <a:off x="1143309" y="685800"/>
+            <a:off x="1143300" y="685800"/>
             <a:ext cx="4572000" cy="3429000"/>
           </a:xfrm>
           <a:custGeom>
@@ -730,7 +731,7 @@
       </p:sp>
       <p:sp>
         <p:nvSpPr>
-          <p:cNvPr id="210" name="Shape 210"/>
+          <p:cNvPr id="212" name="Shape 212"/>
           <p:cNvSpPr txBox="1"/>
           <p:nvPr>
             <p:ph idx="1" type="body"/>
@@ -758,9 +759,21 @@
               <a:buNone/>
             </a:pPr>
             <a:r>
-              <a:t/>
+              <a:rPr lang="en"/>
+              <a:t>Benchmark didn’t give any negative stuff</a:t>
             </a:r>
-            <a:endParaRPr/>
+          </a:p>
+          <a:p>
+            <a:pPr lvl="0" rtl="0">
+              <a:spcBef>
+                <a:spcPts val="0"/>
+              </a:spcBef>
+              <a:buNone/>
+            </a:pPr>
+            <a:r>
+              <a:rPr lang="en"/>
+              <a:t>Maybe we can discuss here what dynamic linking was about, and in the next section only mention that it is planned as an optional last task</a:t>
+            </a:r>
           </a:p>
         </p:txBody>
       </p:sp>
@@ -777,7 +790,7 @@
   <p:cSld>
     <p:spTree>
       <p:nvGrpSpPr>
-        <p:cNvPr id="215" name="Shape 215"/>
+        <p:cNvPr id="217" name="Shape 217"/>
         <p:cNvGrpSpPr/>
         <p:nvPr/>
       </p:nvGrpSpPr>
@@ -791,7 +804,7 @@
       </p:grpSpPr>
       <p:sp>
         <p:nvSpPr>
-          <p:cNvPr id="216" name="Shape 216"/>
+          <p:cNvPr id="218" name="Shape 218"/>
           <p:cNvSpPr/>
           <p:nvPr>
             <p:ph idx="2" type="sldImg"/>
@@ -825,7 +838,7 @@
       </p:sp>
       <p:sp>
         <p:nvSpPr>
-          <p:cNvPr id="217" name="Shape 217"/>
+          <p:cNvPr id="219" name="Shape 219"/>
           <p:cNvSpPr txBox="1"/>
           <p:nvPr>
             <p:ph idx="1" type="body"/>
@@ -872,7 +885,7 @@
   <p:cSld>
     <p:spTree>
       <p:nvGrpSpPr>
-        <p:cNvPr id="222" name="Shape 222"/>
+        <p:cNvPr id="224" name="Shape 224"/>
         <p:cNvGrpSpPr/>
         <p:nvPr/>
       </p:nvGrpSpPr>
@@ -886,7 +899,7 @@
       </p:grpSpPr>
       <p:sp>
         <p:nvSpPr>
-          <p:cNvPr id="223" name="Shape 223"/>
+          <p:cNvPr id="225" name="Shape 225"/>
           <p:cNvSpPr/>
           <p:nvPr>
             <p:ph idx="2" type="sldImg"/>
@@ -920,7 +933,7 @@
       </p:sp>
       <p:sp>
         <p:nvSpPr>
-          <p:cNvPr id="224" name="Shape 224"/>
+          <p:cNvPr id="226" name="Shape 226"/>
           <p:cNvSpPr txBox="1"/>
           <p:nvPr>
             <p:ph idx="1" type="body"/>
@@ -941,28 +954,16 @@
           </a:bodyPr>
           <a:lstStyle/>
           <a:p>
-            <a:pPr lvl="0">
+            <a:pPr lvl="0" rtl="0">
               <a:spcBef>
                 <a:spcPts val="0"/>
               </a:spcBef>
               <a:buNone/>
             </a:pPr>
             <a:r>
-              <a:rPr lang="en"/>
-              <a:t>Add a legend ?</a:t>
+              <a:t/>
             </a:r>
-          </a:p>
-          <a:p>
-            <a:pPr lvl="0">
-              <a:spcBef>
-                <a:spcPts val="0"/>
-              </a:spcBef>
-              <a:buNone/>
-            </a:pPr>
-            <a:r>
-              <a:rPr lang="en"/>
-              <a:t>Put this slide after “Changes to the workplan” or after “What needs to be done” ?</a:t>
-            </a:r>
+            <a:endParaRPr/>
           </a:p>
         </p:txBody>
       </p:sp>
@@ -979,7 +980,7 @@
   <p:cSld>
     <p:spTree>
       <p:nvGrpSpPr>
-        <p:cNvPr id="233" name="Shape 233"/>
+        <p:cNvPr id="231" name="Shape 231"/>
         <p:cNvGrpSpPr/>
         <p:nvPr/>
       </p:nvGrpSpPr>
@@ -993,7 +994,7 @@
       </p:grpSpPr>
       <p:sp>
         <p:nvSpPr>
-          <p:cNvPr id="234" name="Shape 234"/>
+          <p:cNvPr id="232" name="Shape 232"/>
           <p:cNvSpPr/>
           <p:nvPr>
             <p:ph idx="2" type="sldImg"/>
@@ -1027,7 +1028,7 @@
       </p:sp>
       <p:sp>
         <p:nvSpPr>
-          <p:cNvPr id="235" name="Shape 235"/>
+          <p:cNvPr id="233" name="Shape 233"/>
           <p:cNvSpPr txBox="1"/>
           <p:nvPr>
             <p:ph idx="1" type="body"/>
@@ -1074,7 +1075,7 @@
   <p:cSld>
     <p:spTree>
       <p:nvGrpSpPr>
-        <p:cNvPr id="240" name="Shape 240"/>
+        <p:cNvPr id="238" name="Shape 238"/>
         <p:cNvGrpSpPr/>
         <p:nvPr/>
       </p:nvGrpSpPr>
@@ -1088,7 +1089,7 @@
       </p:grpSpPr>
       <p:sp>
         <p:nvSpPr>
-          <p:cNvPr id="241" name="Shape 241"/>
+          <p:cNvPr id="239" name="Shape 239"/>
           <p:cNvSpPr/>
           <p:nvPr>
             <p:ph idx="2" type="sldImg"/>
@@ -1122,7 +1123,7 @@
       </p:sp>
       <p:sp>
         <p:nvSpPr>
-          <p:cNvPr id="242" name="Shape 242"/>
+          <p:cNvPr id="240" name="Shape 240"/>
           <p:cNvSpPr txBox="1"/>
           <p:nvPr>
             <p:ph idx="1" type="body"/>
@@ -1169,7 +1170,7 @@
   <p:cSld>
     <p:spTree>
       <p:nvGrpSpPr>
-        <p:cNvPr id="247" name="Shape 247"/>
+        <p:cNvPr id="245" name="Shape 245"/>
         <p:cNvGrpSpPr/>
         <p:nvPr/>
       </p:nvGrpSpPr>
@@ -1183,7 +1184,7 @@
       </p:grpSpPr>
       <p:sp>
         <p:nvSpPr>
-          <p:cNvPr id="248" name="Shape 248"/>
+          <p:cNvPr id="246" name="Shape 246"/>
           <p:cNvSpPr/>
           <p:nvPr>
             <p:ph idx="2" type="sldImg"/>
@@ -1191,7 +1192,7 @@
         </p:nvSpPr>
         <p:spPr>
           <a:xfrm>
-            <a:off x="1143300" y="685800"/>
+            <a:off x="1143309" y="685800"/>
             <a:ext cx="4572000" cy="3429000"/>
           </a:xfrm>
           <a:custGeom>
@@ -1217,7 +1218,102 @@
       </p:sp>
       <p:sp>
         <p:nvSpPr>
-          <p:cNvPr id="249" name="Shape 249"/>
+          <p:cNvPr id="247" name="Shape 247"/>
+          <p:cNvSpPr txBox="1"/>
+          <p:nvPr>
+            <p:ph idx="1" type="body"/>
+          </p:nvPr>
+        </p:nvSpPr>
+        <p:spPr>
+          <a:xfrm>
+            <a:off x="685800" y="4343400"/>
+            <a:ext cx="5486400" cy="4114800"/>
+          </a:xfrm>
+          <a:prstGeom prst="rect">
+            <a:avLst/>
+          </a:prstGeom>
+        </p:spPr>
+        <p:txBody>
+          <a:bodyPr anchorCtr="0" anchor="t" bIns="91425" lIns="91425" rIns="91425" tIns="91425">
+            <a:noAutofit/>
+          </a:bodyPr>
+          <a:lstStyle/>
+          <a:p>
+            <a:pPr lvl="0" rtl="0">
+              <a:spcBef>
+                <a:spcPts val="0"/>
+              </a:spcBef>
+              <a:buNone/>
+            </a:pPr>
+            <a:r>
+              <a:t/>
+            </a:r>
+            <a:endParaRPr/>
+          </a:p>
+        </p:txBody>
+      </p:sp>
+    </p:spTree>
+  </p:cSld>
+  <p:clrMapOvr>
+    <a:masterClrMapping/>
+  </p:clrMapOvr>
+</p:notes>
+</file>
+
+<file path=ppt/notesSlides/notesSlide18.xml><?xml version="1.0" encoding="utf-8"?>
+<p:notes xmlns:a="http://schemas.openxmlformats.org/drawingml/2006/main" xmlns:r="http://schemas.openxmlformats.org/officeDocument/2006/relationships" xmlns:mc="http://schemas.openxmlformats.org/markup-compatibility/2006" xmlns:mv="urn:schemas-microsoft-com:mac:vml" xmlns:p="http://schemas.openxmlformats.org/presentationml/2006/main" xmlns:c="http://schemas.openxmlformats.org/drawingml/2006/chart" xmlns:dgm="http://schemas.openxmlformats.org/drawingml/2006/diagram" xmlns:o="urn:schemas-microsoft-com:office:office" xmlns:v="urn:schemas-microsoft-com:vml" xmlns:pvml="urn:schemas-microsoft-com:office:powerpoint" xmlns:com="http://schemas.openxmlformats.org/drawingml/2006/compatibility" xmlns:p14="http://schemas.microsoft.com/office/powerpoint/2010/main" showMasterPhAnim="0" showMasterSp="0">
+  <p:cSld>
+    <p:spTree>
+      <p:nvGrpSpPr>
+        <p:cNvPr id="252" name="Shape 252"/>
+        <p:cNvGrpSpPr/>
+        <p:nvPr/>
+      </p:nvGrpSpPr>
+      <p:grpSpPr>
+        <a:xfrm>
+          <a:off x="0" y="0"/>
+          <a:ext cx="0" cy="0"/>
+          <a:chOff x="0" y="0"/>
+          <a:chExt cx="0" cy="0"/>
+        </a:xfrm>
+      </p:grpSpPr>
+      <p:sp>
+        <p:nvSpPr>
+          <p:cNvPr id="253" name="Shape 253"/>
+          <p:cNvSpPr/>
+          <p:nvPr>
+            <p:ph idx="2" type="sldImg"/>
+          </p:nvPr>
+        </p:nvSpPr>
+        <p:spPr>
+          <a:xfrm>
+            <a:off x="1143300" y="685800"/>
+            <a:ext cx="4572000" cy="3429000"/>
+          </a:xfrm>
+          <a:custGeom>
+            <a:pathLst>
+              <a:path extrusionOk="0" h="120000" w="120000">
+                <a:moveTo>
+                  <a:pt x="0" y="0"/>
+                </a:moveTo>
+                <a:lnTo>
+                  <a:pt x="120000" y="0"/>
+                </a:lnTo>
+                <a:lnTo>
+                  <a:pt x="120000" y="120000"/>
+                </a:lnTo>
+                <a:lnTo>
+                  <a:pt x="0" y="120000"/>
+                </a:lnTo>
+                <a:close/>
+              </a:path>
+            </a:pathLst>
+          </a:custGeom>
+        </p:spPr>
+      </p:sp>
+      <p:sp>
+        <p:nvSpPr>
+          <p:cNvPr id="254" name="Shape 254"/>
           <p:cNvSpPr txBox="1"/>
           <p:nvPr>
             <p:ph idx="1" type="body"/>
@@ -1531,7 +1627,19 @@
             </a:pPr>
             <a:r>
               <a:rPr lang="en"/>
-              <a:t>Remind what is APR</a:t>
+              <a:t>Remind what is APR (Historically compat+perf)</a:t>
+            </a:r>
+          </a:p>
+          <a:p>
+            <a:pPr lvl="0">
+              <a:spcBef>
+                <a:spcPts val="0"/>
+              </a:spcBef>
+              <a:buNone/>
+            </a:pPr>
+            <a:r>
+              <a:rPr lang="en"/>
+              <a:t>But now only perf needed and don’t need apr</a:t>
             </a:r>
           </a:p>
           <a:p>
@@ -2099,9 +2207,9 @@
               <a:buNone/>
             </a:pPr>
             <a:r>
-              <a:t/>
+              <a:rPr lang="en"/>
+              <a:t>APR big dependency we only use a small part nowadays (Numa’s work removed a lot of part)</a:t>
             </a:r>
-            <a:endParaRPr/>
           </a:p>
         </p:txBody>
       </p:sp>
@@ -11475,15 +11583,15 @@
         </p:nvSpPr>
         <p:spPr>
           <a:xfrm>
-            <a:off x="98250" y="21800"/>
-            <a:ext cx="8826600" cy="803700"/>
-          </a:xfrm>
-          <a:prstGeom prst="rect">
-            <a:avLst/>
-          </a:prstGeom>
-        </p:spPr>
-        <p:txBody>
-          <a:bodyPr anchorCtr="0" anchor="ctr" bIns="91425" lIns="91425" rIns="91425" tIns="91425">
+            <a:off x="460950" y="421375"/>
+            <a:ext cx="8222100" cy="1116600"/>
+          </a:xfrm>
+          <a:prstGeom prst="rect">
+            <a:avLst/>
+          </a:prstGeom>
+        </p:spPr>
+        <p:txBody>
+          <a:bodyPr anchorCtr="0" anchor="b" bIns="91425" lIns="91425" rIns="91425" tIns="91425">
             <a:noAutofit/>
           </a:bodyPr>
           <a:lstStyle/>
@@ -11496,7 +11604,7 @@
             </a:pPr>
             <a:r>
               <a:rPr lang="en"/>
-              <a:t>Benchmarks : Tomcat</a:t>
+              <a:t>Issues</a:t>
             </a:r>
           </a:p>
         </p:txBody>
@@ -11537,33 +11645,167 @@
           </a:p>
         </p:txBody>
       </p:sp>
-      <p:pic>
-        <p:nvPicPr>
-          <p:cNvPr descr="tomcat-throughput.png" id="200" name="Shape 200"/>
-          <p:cNvPicPr preferRelativeResize="0"/>
-          <p:nvPr/>
-        </p:nvPicPr>
-        <p:blipFill rotWithShape="1">
-          <a:blip r:embed="rId3">
-            <a:alphaModFix/>
-          </a:blip>
-          <a:srcRect b="0" l="0" r="0" t="0"/>
-          <a:stretch/>
-        </p:blipFill>
-        <p:spPr>
-          <a:xfrm>
-            <a:off x="632623" y="1119211"/>
-            <a:ext cx="7878752" cy="4619577"/>
-          </a:xfrm>
-          <a:prstGeom prst="rect">
-            <a:avLst/>
-          </a:prstGeom>
-          <a:noFill/>
-          <a:ln>
-            <a:noFill/>
-          </a:ln>
-        </p:spPr>
-      </p:pic>
+      <p:sp>
+        <p:nvSpPr>
+          <p:cNvPr id="200" name="Shape 200"/>
+          <p:cNvSpPr txBox="1"/>
+          <p:nvPr>
+            <p:ph idx="1" type="body"/>
+          </p:nvPr>
+        </p:nvSpPr>
+        <p:spPr>
+          <a:xfrm>
+            <a:off x="471900" y="2558766"/>
+            <a:ext cx="8222100" cy="3613500"/>
+          </a:xfrm>
+          <a:prstGeom prst="rect">
+            <a:avLst/>
+          </a:prstGeom>
+        </p:spPr>
+        <p:txBody>
+          <a:bodyPr anchorCtr="0" anchor="t" bIns="91425" lIns="91425" rIns="91425" tIns="91425">
+            <a:noAutofit/>
+          </a:bodyPr>
+          <a:lstStyle/>
+          <a:p>
+            <a:pPr indent="-228600" lvl="0" marL="457200" rtl="0">
+              <a:lnSpc>
+                <a:spcPct val="150000"/>
+              </a:lnSpc>
+              <a:spcBef>
+                <a:spcPts val="0"/>
+              </a:spcBef>
+              <a:buClr>
+                <a:schemeClr val="dk2"/>
+              </a:buClr>
+            </a:pPr>
+            <a:r>
+              <a:rPr lang="en">
+                <a:solidFill>
+                  <a:schemeClr val="dk2"/>
+                </a:solidFill>
+              </a:rPr>
+              <a:t>Dynamic Loading</a:t>
+            </a:r>
+          </a:p>
+          <a:p>
+            <a:pPr indent="-330200" lvl="1" marL="914400" rtl="0">
+              <a:lnSpc>
+                <a:spcPct val="150000"/>
+              </a:lnSpc>
+              <a:spcBef>
+                <a:spcPts val="0"/>
+              </a:spcBef>
+              <a:buClr>
+                <a:schemeClr val="dk2"/>
+              </a:buClr>
+              <a:buSzPct val="100000"/>
+            </a:pPr>
+            <a:r>
+              <a:rPr lang="en" sz="1600">
+                <a:solidFill>
+                  <a:schemeClr val="dk2"/>
+                </a:solidFill>
+              </a:rPr>
+              <a:t>Took more time than wanted</a:t>
+            </a:r>
+          </a:p>
+          <a:p>
+            <a:pPr indent="-330200" lvl="1" marL="914400" rtl="0">
+              <a:lnSpc>
+                <a:spcPct val="150000"/>
+              </a:lnSpc>
+              <a:spcBef>
+                <a:spcPts val="0"/>
+              </a:spcBef>
+              <a:buClr>
+                <a:schemeClr val="dk2"/>
+              </a:buClr>
+              <a:buSzPct val="100000"/>
+            </a:pPr>
+            <a:r>
+              <a:rPr lang="en" sz="1600">
+                <a:solidFill>
+                  <a:schemeClr val="dk2"/>
+                </a:solidFill>
+              </a:rPr>
+              <a:t>More complex since OpenSSL v1.1.0 compatibility</a:t>
+            </a:r>
+            <a:br>
+              <a:rPr lang="en" sz="1600">
+                <a:solidFill>
+                  <a:schemeClr val="dk2"/>
+                </a:solidFill>
+              </a:rPr>
+            </a:br>
+          </a:p>
+          <a:p>
+            <a:pPr indent="-228600" lvl="0" marL="457200" rtl="0">
+              <a:lnSpc>
+                <a:spcPct val="150000"/>
+              </a:lnSpc>
+              <a:spcBef>
+                <a:spcPts val="0"/>
+              </a:spcBef>
+              <a:buClr>
+                <a:schemeClr val="dk2"/>
+              </a:buClr>
+            </a:pPr>
+            <a:r>
+              <a:rPr lang="en">
+                <a:solidFill>
+                  <a:schemeClr val="dk2"/>
+                </a:solidFill>
+              </a:rPr>
+              <a:t>Diverging Philosophies</a:t>
+            </a:r>
+          </a:p>
+          <a:p>
+            <a:pPr indent="-330200" lvl="1" marL="914400" rtl="0">
+              <a:lnSpc>
+                <a:spcPct val="150000"/>
+              </a:lnSpc>
+              <a:spcBef>
+                <a:spcPts val="0"/>
+              </a:spcBef>
+              <a:buClr>
+                <a:schemeClr val="dk2"/>
+              </a:buClr>
+              <a:buSzPct val="100000"/>
+            </a:pPr>
+            <a:r>
+              <a:rPr lang="en" sz="1600">
+                <a:solidFill>
+                  <a:schemeClr val="dk2"/>
+                </a:solidFill>
+              </a:rPr>
+              <a:t>Tomcat and Undertow maintainers didn’t agree on everything</a:t>
+            </a:r>
+          </a:p>
+          <a:p>
+            <a:pPr indent="-330200" lvl="1" marL="914400" rtl="0">
+              <a:lnSpc>
+                <a:spcPct val="150000"/>
+              </a:lnSpc>
+              <a:spcBef>
+                <a:spcPts val="0"/>
+              </a:spcBef>
+              <a:buClr>
+                <a:schemeClr val="dk2"/>
+              </a:buClr>
+              <a:buSzPct val="100000"/>
+            </a:pPr>
+            <a:r>
+              <a:rPr lang="en" sz="1600">
+                <a:solidFill>
+                  <a:schemeClr val="dk2"/>
+                </a:solidFill>
+              </a:rPr>
+              <a:t>Modify architecture to accommodate this divergence</a:t>
+            </a:r>
+          </a:p>
+        </p:txBody>
+      </p:sp>
     </p:spTree>
   </p:cSld>
   <p:clrMapOvr>
@@ -11620,7 +11862,7 @@
             </a:pPr>
             <a:r>
               <a:rPr lang="en"/>
-              <a:t>Benchmarks : Tomcat</a:t>
+              <a:t>Tomcat Native 2 in Tomcat/Undertow</a:t>
             </a:r>
           </a:p>
         </p:txBody>
@@ -11663,7 +11905,7 @@
       </p:sp>
       <p:pic>
         <p:nvPicPr>
-          <p:cNvPr descr="tomcat-cpu.png" id="207" name="Shape 207"/>
+          <p:cNvPr descr="final-pres-achieved.png" id="207" name="Shape 207"/>
           <p:cNvPicPr preferRelativeResize="0"/>
           <p:nvPr/>
         </p:nvPicPr>
@@ -11676,8 +11918,8 @@
         </p:blipFill>
         <p:spPr>
           <a:xfrm>
-            <a:off x="632624" y="1149362"/>
-            <a:ext cx="7878751" cy="4559274"/>
+            <a:off x="1922318" y="958425"/>
+            <a:ext cx="5299363" cy="6857999"/>
           </a:xfrm>
           <a:prstGeom prst="rect">
             <a:avLst/>
@@ -11688,11 +11930,193 @@
           </a:ln>
         </p:spPr>
       </p:pic>
+      <p:cxnSp>
+        <p:nvCxnSpPr>
+          <p:cNvPr id="208" name="Shape 208"/>
+          <p:cNvCxnSpPr/>
+          <p:nvPr/>
+        </p:nvCxnSpPr>
+        <p:spPr>
+          <a:xfrm flipH="1" rot="10800000">
+            <a:off x="1310950" y="2798050"/>
+            <a:ext cx="1741500" cy="948900"/>
+          </a:xfrm>
+          <a:prstGeom prst="straightConnector1">
+            <a:avLst/>
+          </a:prstGeom>
+          <a:noFill/>
+          <a:ln cap="flat" cmpd="sng" w="28575">
+            <a:solidFill>
+              <a:schemeClr val="dk1"/>
+            </a:solidFill>
+            <a:prstDash val="solid"/>
+            <a:round/>
+            <a:headEnd len="lg" w="lg" type="none"/>
+            <a:tailEnd len="lg" w="lg" type="triangle"/>
+          </a:ln>
+        </p:spPr>
+      </p:cxnSp>
+      <p:sp>
+        <p:nvSpPr>
+          <p:cNvPr id="209" name="Shape 209"/>
+          <p:cNvSpPr txBox="1"/>
+          <p:nvPr/>
+        </p:nvSpPr>
+        <p:spPr>
+          <a:xfrm>
+            <a:off x="724350" y="3688250"/>
+            <a:ext cx="1824000" cy="657300"/>
+          </a:xfrm>
+          <a:prstGeom prst="rect">
+            <a:avLst/>
+          </a:prstGeom>
+          <a:noFill/>
+          <a:ln>
+            <a:noFill/>
+          </a:ln>
+        </p:spPr>
+        <p:txBody>
+          <a:bodyPr anchorCtr="0" anchor="t" bIns="91425" lIns="91425" rIns="91425" tIns="91425">
+            <a:noAutofit/>
+          </a:bodyPr>
+          <a:lstStyle/>
+          <a:p>
+            <a:pPr lvl="0">
+              <a:spcBef>
+                <a:spcPts val="0"/>
+              </a:spcBef>
+              <a:buNone/>
+            </a:pPr>
+            <a:r>
+              <a:rPr lang="en" sz="1300"/>
+              <a:t>Not shared</a:t>
+            </a:r>
+          </a:p>
+        </p:txBody>
+      </p:sp>
     </p:spTree>
   </p:cSld>
   <p:clrMapOvr>
     <a:masterClrMapping/>
   </p:clrMapOvr>
+  <p:timing>
+    <p:tnLst>
+      <p:par>
+        <p:cTn dur="indefinite" nodeType="tmRoot" restart="never">
+          <p:childTnLst>
+            <p:seq concurrent="1" nextAc="seek">
+              <p:cTn dur="indefinite" id="2" nodeType="mainSeq">
+                <p:childTnLst>
+                  <p:par>
+                    <p:cTn fill="hold">
+                      <p:stCondLst>
+                        <p:cond delay="indefinite"/>
+                      </p:stCondLst>
+                      <p:childTnLst>
+                        <p:par>
+                          <p:cTn fill="hold">
+                            <p:stCondLst>
+                              <p:cond delay="0"/>
+                            </p:stCondLst>
+                            <p:childTnLst>
+                              <p:par>
+                                <p:cTn fill="hold" nodeType="clickEffect" presetClass="entr" presetID="10" presetSubtype="0">
+                                  <p:stCondLst>
+                                    <p:cond delay="0"/>
+                                  </p:stCondLst>
+                                  <p:childTnLst>
+                                    <p:set>
+                                      <p:cBhvr>
+                                        <p:cTn dur="1" fill="hold">
+                                          <p:stCondLst>
+                                            <p:cond delay="0"/>
+                                          </p:stCondLst>
+                                        </p:cTn>
+                                        <p:tgtEl>
+                                          <p:spTgt spid="209"/>
+                                        </p:tgtEl>
+                                        <p:attrNameLst>
+                                          <p:attrName>style.visibility</p:attrName>
+                                        </p:attrNameLst>
+                                      </p:cBhvr>
+                                      <p:to>
+                                        <p:strVal val="visible"/>
+                                      </p:to>
+                                    </p:set>
+                                    <p:animEffect filter="fade" transition="in">
+                                      <p:cBhvr>
+                                        <p:cTn dur="1000"/>
+                                        <p:tgtEl>
+                                          <p:spTgt spid="209"/>
+                                        </p:tgtEl>
+                                      </p:cBhvr>
+                                    </p:animEffect>
+                                  </p:childTnLst>
+                                </p:cTn>
+                              </p:par>
+                              <p:par>
+                                <p:cTn fill="hold" nodeType="withEffect" presetClass="entr" presetID="10" presetSubtype="0">
+                                  <p:stCondLst>
+                                    <p:cond delay="0"/>
+                                  </p:stCondLst>
+                                  <p:childTnLst>
+                                    <p:set>
+                                      <p:cBhvr>
+                                        <p:cTn dur="1" fill="hold">
+                                          <p:stCondLst>
+                                            <p:cond delay="0"/>
+                                          </p:stCondLst>
+                                        </p:cTn>
+                                        <p:tgtEl>
+                                          <p:spTgt spid="208"/>
+                                        </p:tgtEl>
+                                        <p:attrNameLst>
+                                          <p:attrName>style.visibility</p:attrName>
+                                        </p:attrNameLst>
+                                      </p:cBhvr>
+                                      <p:to>
+                                        <p:strVal val="visible"/>
+                                      </p:to>
+                                    </p:set>
+                                    <p:animEffect filter="fade" transition="in">
+                                      <p:cBhvr>
+                                        <p:cTn dur="1000"/>
+                                        <p:tgtEl>
+                                          <p:spTgt spid="208"/>
+                                        </p:tgtEl>
+                                      </p:cBhvr>
+                                    </p:animEffect>
+                                  </p:childTnLst>
+                                </p:cTn>
+                              </p:par>
+                            </p:childTnLst>
+                          </p:cTn>
+                        </p:par>
+                      </p:childTnLst>
+                    </p:cTn>
+                  </p:par>
+                </p:childTnLst>
+              </p:cTn>
+              <p:prevCondLst>
+                <p:cond evt="onPrev">
+                  <p:tgtEl>
+                    <p:sldTgt/>
+                  </p:tgtEl>
+                </p:cond>
+              </p:prevCondLst>
+              <p:nextCondLst>
+                <p:cond evt="onNext">
+                  <p:tgtEl>
+                    <p:sldTgt/>
+                  </p:tgtEl>
+                </p:cond>
+              </p:nextCondLst>
+            </p:seq>
+          </p:childTnLst>
+        </p:cTn>
+      </p:par>
+    </p:tnLst>
+  </p:timing>
 </p:sld>
 </file>
 
@@ -11701,7 +12125,7 @@
   <p:cSld>
     <p:spTree>
       <p:nvGrpSpPr>
-        <p:cNvPr id="211" name="Shape 211"/>
+        <p:cNvPr id="213" name="Shape 213"/>
         <p:cNvGrpSpPr/>
         <p:nvPr/>
       </p:nvGrpSpPr>
@@ -11715,7 +12139,7 @@
       </p:grpSpPr>
       <p:sp>
         <p:nvSpPr>
-          <p:cNvPr id="212" name="Shape 212"/>
+          <p:cNvPr id="214" name="Shape 214"/>
           <p:cNvSpPr txBox="1"/>
           <p:nvPr>
             <p:ph type="title"/>
@@ -11723,8 +12147,44 @@
         </p:nvSpPr>
         <p:spPr>
           <a:xfrm>
-            <a:off x="98250" y="21800"/>
-            <a:ext cx="8826600" cy="803700"/>
+            <a:off x="460950" y="421375"/>
+            <a:ext cx="8222100" cy="1116600"/>
+          </a:xfrm>
+          <a:prstGeom prst="rect">
+            <a:avLst/>
+          </a:prstGeom>
+        </p:spPr>
+        <p:txBody>
+          <a:bodyPr anchorCtr="0" anchor="b" bIns="91425" lIns="91425" rIns="91425" tIns="91425">
+            <a:noAutofit/>
+          </a:bodyPr>
+          <a:lstStyle/>
+          <a:p>
+            <a:pPr lvl="0" rtl="0">
+              <a:spcBef>
+                <a:spcPts val="0"/>
+              </a:spcBef>
+              <a:buNone/>
+            </a:pPr>
+            <a:r>
+              <a:rPr lang="en"/>
+              <a:t>Benchmarks</a:t>
+            </a:r>
+          </a:p>
+        </p:txBody>
+      </p:sp>
+      <p:sp>
+        <p:nvSpPr>
+          <p:cNvPr id="215" name="Shape 215"/>
+          <p:cNvSpPr txBox="1"/>
+          <p:nvPr>
+            <p:ph idx="12" type="sldNum"/>
+          </p:nvPr>
+        </p:nvSpPr>
+        <p:spPr>
+          <a:xfrm>
+            <a:off x="8523541" y="6260830"/>
+            <a:ext cx="548700" cy="524700"/>
           </a:xfrm>
           <a:prstGeom prst="rect">
             <a:avLst/>
@@ -11742,42 +12202,6 @@
               </a:spcBef>
               <a:buNone/>
             </a:pPr>
-            <a:r>
-              <a:rPr lang="en"/>
-              <a:t>Benchmarks : Undertow</a:t>
-            </a:r>
-          </a:p>
-        </p:txBody>
-      </p:sp>
-      <p:sp>
-        <p:nvSpPr>
-          <p:cNvPr id="213" name="Shape 213"/>
-          <p:cNvSpPr txBox="1"/>
-          <p:nvPr>
-            <p:ph idx="12" type="sldNum"/>
-          </p:nvPr>
-        </p:nvSpPr>
-        <p:spPr>
-          <a:xfrm>
-            <a:off x="8523541" y="6260830"/>
-            <a:ext cx="548700" cy="524700"/>
-          </a:xfrm>
-          <a:prstGeom prst="rect">
-            <a:avLst/>
-          </a:prstGeom>
-        </p:spPr>
-        <p:txBody>
-          <a:bodyPr anchorCtr="0" anchor="ctr" bIns="91425" lIns="91425" rIns="91425" tIns="91425">
-            <a:noAutofit/>
-          </a:bodyPr>
-          <a:lstStyle/>
-          <a:p>
-            <a:pPr lvl="0" rtl="0">
-              <a:spcBef>
-                <a:spcPts val="0"/>
-              </a:spcBef>
-              <a:buNone/>
-            </a:pPr>
             <a:fld id="{00000000-1234-1234-1234-123412341234}" type="slidenum">
               <a:rPr lang="en"/>
               <a:t>‹#›</a:t>
@@ -11785,33 +12209,210 @@
           </a:p>
         </p:txBody>
       </p:sp>
-      <p:pic>
-        <p:nvPicPr>
-          <p:cNvPr descr="undertow-throughput.png" id="214" name="Shape 214"/>
-          <p:cNvPicPr preferRelativeResize="0"/>
-          <p:nvPr/>
-        </p:nvPicPr>
-        <p:blipFill rotWithShape="1">
-          <a:blip r:embed="rId3">
-            <a:alphaModFix/>
-          </a:blip>
-          <a:srcRect b="3305" l="0" r="0" t="3305"/>
-          <a:stretch/>
-        </p:blipFill>
-        <p:spPr>
-          <a:xfrm>
-            <a:off x="632625" y="1359850"/>
-            <a:ext cx="7878747" cy="4177425"/>
-          </a:xfrm>
-          <a:prstGeom prst="rect">
-            <a:avLst/>
-          </a:prstGeom>
-          <a:noFill/>
-          <a:ln>
-            <a:noFill/>
-          </a:ln>
-        </p:spPr>
-      </p:pic>
+      <p:sp>
+        <p:nvSpPr>
+          <p:cNvPr id="216" name="Shape 216"/>
+          <p:cNvSpPr txBox="1"/>
+          <p:nvPr>
+            <p:ph idx="1" type="body"/>
+          </p:nvPr>
+        </p:nvSpPr>
+        <p:spPr>
+          <a:xfrm>
+            <a:off x="471900" y="2558766"/>
+            <a:ext cx="8222100" cy="3613500"/>
+          </a:xfrm>
+          <a:prstGeom prst="rect">
+            <a:avLst/>
+          </a:prstGeom>
+        </p:spPr>
+        <p:txBody>
+          <a:bodyPr anchorCtr="0" anchor="t" bIns="91425" lIns="91425" rIns="91425" tIns="91425">
+            <a:noAutofit/>
+          </a:bodyPr>
+          <a:lstStyle/>
+          <a:p>
+            <a:pPr indent="-342900" lvl="0" marL="457200" marR="0" rtl="0" algn="l">
+              <a:lnSpc>
+                <a:spcPct val="200000"/>
+              </a:lnSpc>
+              <a:spcBef>
+                <a:spcPts val="0"/>
+              </a:spcBef>
+              <a:spcAft>
+                <a:spcPts val="1600"/>
+              </a:spcAft>
+              <a:buClr>
+                <a:schemeClr val="dk2"/>
+              </a:buClr>
+              <a:buSzPct val="100000"/>
+              <a:buFont typeface="Roboto"/>
+            </a:pPr>
+            <a:r>
+              <a:rPr lang="en">
+                <a:solidFill>
+                  <a:schemeClr val="dk2"/>
+                </a:solidFill>
+              </a:rPr>
+              <a:t>Many concurrent HTTP requests</a:t>
+            </a:r>
+          </a:p>
+          <a:p>
+            <a:pPr indent="-342900" lvl="0" marL="457200" marR="0" rtl="0" algn="l">
+              <a:lnSpc>
+                <a:spcPct val="200000"/>
+              </a:lnSpc>
+              <a:spcBef>
+                <a:spcPts val="0"/>
+              </a:spcBef>
+              <a:spcAft>
+                <a:spcPts val="1600"/>
+              </a:spcAft>
+              <a:buClr>
+                <a:schemeClr val="dk2"/>
+              </a:buClr>
+              <a:buSzPct val="100000"/>
+              <a:buFont typeface="Roboto"/>
+            </a:pPr>
+            <a:r>
+              <a:rPr lang="en">
+                <a:solidFill>
+                  <a:schemeClr val="dk2"/>
+                </a:solidFill>
+              </a:rPr>
+              <a:t>Measure server throughput (and CPU load)</a:t>
+            </a:r>
+          </a:p>
+          <a:p>
+            <a:pPr indent="-228600" lvl="0" marL="457200" marR="0" rtl="0" algn="l">
+              <a:lnSpc>
+                <a:spcPct val="200000"/>
+              </a:lnSpc>
+              <a:spcBef>
+                <a:spcPts val="0"/>
+              </a:spcBef>
+              <a:spcAft>
+                <a:spcPts val="1600"/>
+              </a:spcAft>
+              <a:buClr>
+                <a:schemeClr val="dk2"/>
+              </a:buClr>
+            </a:pPr>
+            <a:r>
+              <a:rPr lang="en">
+                <a:solidFill>
+                  <a:schemeClr val="dk2"/>
+                </a:solidFill>
+              </a:rPr>
+              <a:t>Try with different file sizes</a:t>
+            </a:r>
+          </a:p>
+          <a:p>
+            <a:pPr indent="-342900" lvl="0" marL="457200" marR="0" rtl="0" algn="l">
+              <a:lnSpc>
+                <a:spcPct val="200000"/>
+              </a:lnSpc>
+              <a:spcBef>
+                <a:spcPts val="0"/>
+              </a:spcBef>
+              <a:spcAft>
+                <a:spcPts val="1600"/>
+              </a:spcAft>
+              <a:buClr>
+                <a:schemeClr val="dk2"/>
+              </a:buClr>
+              <a:buSzPct val="100000"/>
+              <a:buFont typeface="Roboto"/>
+            </a:pPr>
+            <a:r>
+              <a:rPr lang="en">
+                <a:solidFill>
+                  <a:schemeClr val="dk2"/>
+                </a:solidFill>
+              </a:rPr>
+              <a:t>Test bed</a:t>
+            </a:r>
+          </a:p>
+          <a:p>
+            <a:pPr indent="-228600" lvl="1" marL="914400" marR="0" rtl="0" algn="l">
+              <a:lnSpc>
+                <a:spcPct val="200000"/>
+              </a:lnSpc>
+              <a:spcBef>
+                <a:spcPts val="0"/>
+              </a:spcBef>
+              <a:spcAft>
+                <a:spcPts val="1600"/>
+              </a:spcAft>
+              <a:buClr>
+                <a:schemeClr val="dk2"/>
+              </a:buClr>
+            </a:pPr>
+            <a:r>
+              <a:rPr lang="en">
+                <a:solidFill>
+                  <a:schemeClr val="dk2"/>
+                </a:solidFill>
+              </a:rPr>
+              <a:t>Tomcat: RedHat cluster</a:t>
+            </a:r>
+          </a:p>
+          <a:p>
+            <a:pPr indent="-228600" lvl="1" marL="914400" marR="0" rtl="0" algn="l">
+              <a:lnSpc>
+                <a:spcPct val="200000"/>
+              </a:lnSpc>
+              <a:spcBef>
+                <a:spcPts val="0"/>
+              </a:spcBef>
+              <a:spcAft>
+                <a:spcPts val="1600"/>
+              </a:spcAft>
+              <a:buClr>
+                <a:schemeClr val="dk2"/>
+              </a:buClr>
+            </a:pPr>
+            <a:r>
+              <a:rPr lang="en">
+                <a:solidFill>
+                  <a:schemeClr val="dk2"/>
+                </a:solidFill>
+              </a:rPr>
+              <a:t>Undertow: personal desktop computer</a:t>
+            </a:r>
+            <a:br>
+              <a:rPr lang="en">
+                <a:solidFill>
+                  <a:schemeClr val="dk2"/>
+                </a:solidFill>
+              </a:rPr>
+            </a:br>
+            <a:br>
+              <a:rPr lang="en">
+                <a:solidFill>
+                  <a:schemeClr val="dk2"/>
+                </a:solidFill>
+              </a:rPr>
+            </a:br>
+          </a:p>
+          <a:p>
+            <a:pPr indent="0" lvl="0" marL="0" rtl="0">
+              <a:spcBef>
+                <a:spcPts val="0"/>
+              </a:spcBef>
+              <a:buNone/>
+            </a:pPr>
+            <a:r>
+              <a:t/>
+            </a:r>
+            <a:endParaRPr>
+              <a:solidFill>
+                <a:schemeClr val="dk2"/>
+              </a:solidFill>
+            </a:endParaRPr>
+          </a:p>
+        </p:txBody>
+      </p:sp>
     </p:spTree>
   </p:cSld>
   <p:clrMapOvr>
@@ -11825,7 +12426,7 @@
   <p:cSld>
     <p:spTree>
       <p:nvGrpSpPr>
-        <p:cNvPr id="218" name="Shape 218"/>
+        <p:cNvPr id="220" name="Shape 220"/>
         <p:cNvGrpSpPr/>
         <p:nvPr/>
       </p:nvGrpSpPr>
@@ -11839,7 +12440,7 @@
       </p:grpSpPr>
       <p:sp>
         <p:nvSpPr>
-          <p:cNvPr id="219" name="Shape 219"/>
+          <p:cNvPr id="221" name="Shape 221"/>
           <p:cNvSpPr txBox="1"/>
           <p:nvPr>
             <p:ph type="title"/>
@@ -11847,15 +12448,15 @@
         </p:nvSpPr>
         <p:spPr>
           <a:xfrm>
-            <a:off x="460950" y="421375"/>
-            <a:ext cx="8222100" cy="1116600"/>
-          </a:xfrm>
-          <a:prstGeom prst="rect">
-            <a:avLst/>
-          </a:prstGeom>
-        </p:spPr>
-        <p:txBody>
-          <a:bodyPr anchorCtr="0" anchor="b" bIns="91425" lIns="91425" rIns="91425" tIns="91425">
+            <a:off x="98250" y="21800"/>
+            <a:ext cx="8826600" cy="803700"/>
+          </a:xfrm>
+          <a:prstGeom prst="rect">
+            <a:avLst/>
+          </a:prstGeom>
+        </p:spPr>
+        <p:txBody>
+          <a:bodyPr anchorCtr="0" anchor="ctr" bIns="91425" lIns="91425" rIns="91425" tIns="91425">
             <a:noAutofit/>
           </a:bodyPr>
           <a:lstStyle/>
@@ -11868,14 +12469,14 @@
             </a:pPr>
             <a:r>
               <a:rPr lang="en"/>
-              <a:t>Issues</a:t>
+              <a:t>Benchmarks : Tomcat</a:t>
             </a:r>
           </a:p>
         </p:txBody>
       </p:sp>
       <p:sp>
         <p:nvSpPr>
-          <p:cNvPr id="220" name="Shape 220"/>
+          <p:cNvPr id="222" name="Shape 222"/>
           <p:cNvSpPr txBox="1"/>
           <p:nvPr>
             <p:ph idx="12" type="sldNum"/>
@@ -11909,182 +12510,33 @@
           </a:p>
         </p:txBody>
       </p:sp>
-      <p:sp>
-        <p:nvSpPr>
-          <p:cNvPr id="221" name="Shape 221"/>
-          <p:cNvSpPr txBox="1"/>
-          <p:nvPr>
-            <p:ph idx="1" type="body"/>
-          </p:nvPr>
-        </p:nvSpPr>
-        <p:spPr>
-          <a:xfrm>
-            <a:off x="471900" y="2558766"/>
-            <a:ext cx="8222100" cy="3613500"/>
-          </a:xfrm>
-          <a:prstGeom prst="rect">
-            <a:avLst/>
-          </a:prstGeom>
-        </p:spPr>
-        <p:txBody>
-          <a:bodyPr anchorCtr="0" anchor="t" bIns="91425" lIns="91425" rIns="91425" tIns="91425">
-            <a:noAutofit/>
-          </a:bodyPr>
-          <a:lstStyle/>
-          <a:p>
-            <a:pPr indent="-228600" lvl="0" marL="457200" rtl="0">
-              <a:lnSpc>
-                <a:spcPct val="150000"/>
-              </a:lnSpc>
-              <a:spcBef>
-                <a:spcPts val="0"/>
-              </a:spcBef>
-              <a:buClr>
-                <a:schemeClr val="dk2"/>
-              </a:buClr>
-            </a:pPr>
-            <a:r>
-              <a:rPr lang="en">
-                <a:solidFill>
-                  <a:schemeClr val="dk2"/>
-                </a:solidFill>
-              </a:rPr>
-              <a:t>Dynamic Linking</a:t>
-            </a:r>
-          </a:p>
-          <a:p>
-            <a:pPr indent="-330200" lvl="1" marL="914400" rtl="0">
-              <a:lnSpc>
-                <a:spcPct val="150000"/>
-              </a:lnSpc>
-              <a:spcBef>
-                <a:spcPts val="0"/>
-              </a:spcBef>
-              <a:buClr>
-                <a:schemeClr val="dk2"/>
-              </a:buClr>
-              <a:buSzPct val="100000"/>
-            </a:pPr>
-            <a:r>
-              <a:rPr lang="en" sz="1600">
-                <a:solidFill>
-                  <a:schemeClr val="dk2"/>
-                </a:solidFill>
-              </a:rPr>
-              <a:t>Bug during implementation</a:t>
-            </a:r>
-          </a:p>
-          <a:p>
-            <a:pPr indent="-330200" lvl="1" marL="914400" rtl="0">
-              <a:lnSpc>
-                <a:spcPct val="150000"/>
-              </a:lnSpc>
-              <a:spcBef>
-                <a:spcPts val="0"/>
-              </a:spcBef>
-              <a:buClr>
-                <a:schemeClr val="dk2"/>
-              </a:buClr>
-              <a:buSzPct val="100000"/>
-            </a:pPr>
-            <a:r>
-              <a:rPr lang="en" sz="1600">
-                <a:solidFill>
-                  <a:schemeClr val="dk2"/>
-                </a:solidFill>
-              </a:rPr>
-              <a:t>Took more time than wanted</a:t>
-            </a:r>
-          </a:p>
-          <a:p>
-            <a:pPr indent="-330200" lvl="1" marL="914400" rtl="0">
-              <a:lnSpc>
-                <a:spcPct val="150000"/>
-              </a:lnSpc>
-              <a:spcBef>
-                <a:spcPts val="0"/>
-              </a:spcBef>
-              <a:buClr>
-                <a:schemeClr val="dk2"/>
-              </a:buClr>
-              <a:buSzPct val="100000"/>
-            </a:pPr>
-            <a:r>
-              <a:rPr lang="en" sz="1600">
-                <a:solidFill>
-                  <a:schemeClr val="dk2"/>
-                </a:solidFill>
-              </a:rPr>
-              <a:t>Debugging would be too long</a:t>
-            </a:r>
-          </a:p>
-          <a:p>
-            <a:pPr indent="-228600" lvl="0" marL="457200" rtl="0">
-              <a:lnSpc>
-                <a:spcPct val="150000"/>
-              </a:lnSpc>
-              <a:spcBef>
-                <a:spcPts val="0"/>
-              </a:spcBef>
-              <a:buClr>
-                <a:schemeClr val="dk2"/>
-              </a:buClr>
-            </a:pPr>
-            <a:r>
-              <a:rPr lang="en">
-                <a:solidFill>
-                  <a:schemeClr val="dk2"/>
-                </a:solidFill>
-              </a:rPr>
-              <a:t>Diverging Philosophies</a:t>
-            </a:r>
-          </a:p>
-          <a:p>
-            <a:pPr indent="-330200" lvl="1" marL="914400" rtl="0">
-              <a:lnSpc>
-                <a:spcPct val="150000"/>
-              </a:lnSpc>
-              <a:spcBef>
-                <a:spcPts val="0"/>
-              </a:spcBef>
-              <a:buClr>
-                <a:schemeClr val="dk2"/>
-              </a:buClr>
-              <a:buSzPct val="100000"/>
-            </a:pPr>
-            <a:r>
-              <a:rPr lang="en" sz="1600">
-                <a:solidFill>
-                  <a:schemeClr val="dk2"/>
-                </a:solidFill>
-              </a:rPr>
-              <a:t>Tomcat and Undertow maintainers didn’t agree on everything</a:t>
-            </a:r>
-          </a:p>
-          <a:p>
-            <a:pPr indent="-330200" lvl="1" marL="914400" rtl="0">
-              <a:lnSpc>
-                <a:spcPct val="150000"/>
-              </a:lnSpc>
-              <a:spcBef>
-                <a:spcPts val="0"/>
-              </a:spcBef>
-              <a:buClr>
-                <a:schemeClr val="dk2"/>
-              </a:buClr>
-              <a:buSzPct val="100000"/>
-            </a:pPr>
-            <a:r>
-              <a:rPr lang="en" sz="1600">
-                <a:solidFill>
-                  <a:schemeClr val="dk2"/>
-                </a:solidFill>
-              </a:rPr>
-              <a:t>Modify architecture to accommodate this divergence</a:t>
-            </a:r>
-          </a:p>
-        </p:txBody>
-      </p:sp>
+      <p:pic>
+        <p:nvPicPr>
+          <p:cNvPr descr="tomcat-throughput.png" id="223" name="Shape 223"/>
+          <p:cNvPicPr preferRelativeResize="0"/>
+          <p:nvPr/>
+        </p:nvPicPr>
+        <p:blipFill rotWithShape="1">
+          <a:blip r:embed="rId3">
+            <a:alphaModFix/>
+          </a:blip>
+          <a:srcRect b="0" l="0" r="0" t="0"/>
+          <a:stretch/>
+        </p:blipFill>
+        <p:spPr>
+          <a:xfrm>
+            <a:off x="632623" y="1119211"/>
+            <a:ext cx="7878752" cy="4619577"/>
+          </a:xfrm>
+          <a:prstGeom prst="rect">
+            <a:avLst/>
+          </a:prstGeom>
+          <a:noFill/>
+          <a:ln>
+            <a:noFill/>
+          </a:ln>
+        </p:spPr>
+      </p:pic>
     </p:spTree>
   </p:cSld>
   <p:clrMapOvr>
@@ -12098,7 +12550,7 @@
   <p:cSld>
     <p:spTree>
       <p:nvGrpSpPr>
-        <p:cNvPr id="225" name="Shape 225"/>
+        <p:cNvPr id="227" name="Shape 227"/>
         <p:cNvGrpSpPr/>
         <p:nvPr/>
       </p:nvGrpSpPr>
@@ -12112,7 +12564,7 @@
       </p:grpSpPr>
       <p:sp>
         <p:nvSpPr>
-          <p:cNvPr id="226" name="Shape 226"/>
+          <p:cNvPr id="228" name="Shape 228"/>
           <p:cNvSpPr txBox="1"/>
           <p:nvPr>
             <p:ph type="title"/>
@@ -12133,7 +12585,7 @@
           </a:bodyPr>
           <a:lstStyle/>
           <a:p>
-            <a:pPr lvl="0">
+            <a:pPr lvl="0" rtl="0">
               <a:spcBef>
                 <a:spcPts val="0"/>
               </a:spcBef>
@@ -12141,14 +12593,14 @@
             </a:pPr>
             <a:r>
               <a:rPr lang="en"/>
-              <a:t>Issues: Diverging Philosophies</a:t>
+              <a:t>Benchmarks : Tomcat</a:t>
             </a:r>
           </a:p>
         </p:txBody>
       </p:sp>
       <p:sp>
         <p:nvSpPr>
-          <p:cNvPr id="227" name="Shape 227"/>
+          <p:cNvPr id="229" name="Shape 229"/>
           <p:cNvSpPr txBox="1"/>
           <p:nvPr>
             <p:ph idx="12" type="sldNum"/>
@@ -12169,7 +12621,7 @@
           </a:bodyPr>
           <a:lstStyle/>
           <a:p>
-            <a:pPr lvl="0">
+            <a:pPr lvl="0" rtl="0">
               <a:spcBef>
                 <a:spcPts val="0"/>
               </a:spcBef>
@@ -12184,7 +12636,7 @@
       </p:sp>
       <p:pic>
         <p:nvPicPr>
-          <p:cNvPr descr="midpoint-pres-shared.png" id="228" name="Shape 228"/>
+          <p:cNvPr descr="tomcat-cpu.png" id="230" name="Shape 230"/>
           <p:cNvPicPr preferRelativeResize="0"/>
           <p:nvPr/>
         </p:nvPicPr>
@@ -12197,8 +12649,8 @@
         </p:blipFill>
         <p:spPr>
           <a:xfrm>
-            <a:off x="1861868" y="900050"/>
-            <a:ext cx="5299363" cy="6857999"/>
+            <a:off x="632624" y="1149362"/>
+            <a:ext cx="7878751" cy="4559274"/>
           </a:xfrm>
           <a:prstGeom prst="rect">
             <a:avLst/>
@@ -12209,172 +12661,6 @@
           </a:ln>
         </p:spPr>
       </p:pic>
-      <p:sp>
-        <p:nvSpPr>
-          <p:cNvPr id="229" name="Shape 229"/>
-          <p:cNvSpPr/>
-          <p:nvPr/>
-        </p:nvSpPr>
-        <p:spPr>
-          <a:xfrm>
-            <a:off x="98250" y="5812150"/>
-            <a:ext cx="203100" cy="231900"/>
-          </a:xfrm>
-          <a:prstGeom prst="rect">
-            <a:avLst/>
-          </a:prstGeom>
-          <a:solidFill>
-            <a:srgbClr val="FEDCDC"/>
-          </a:solidFill>
-          <a:ln>
-            <a:noFill/>
-          </a:ln>
-        </p:spPr>
-        <p:txBody>
-          <a:bodyPr anchorCtr="0" anchor="ctr" bIns="91425" lIns="91425" rIns="91425" tIns="91425">
-            <a:noAutofit/>
-          </a:bodyPr>
-          <a:lstStyle/>
-          <a:p>
-            <a:pPr lvl="0">
-              <a:spcBef>
-                <a:spcPts val="0"/>
-              </a:spcBef>
-              <a:buNone/>
-            </a:pPr>
-            <a:r>
-              <a:t/>
-            </a:r>
-            <a:endParaRPr/>
-          </a:p>
-        </p:txBody>
-      </p:sp>
-      <p:sp>
-        <p:nvSpPr>
-          <p:cNvPr id="230" name="Shape 230"/>
-          <p:cNvSpPr txBox="1"/>
-          <p:nvPr/>
-        </p:nvSpPr>
-        <p:spPr>
-          <a:xfrm>
-            <a:off x="375412" y="5739675"/>
-            <a:ext cx="1412400" cy="231900"/>
-          </a:xfrm>
-          <a:prstGeom prst="rect">
-            <a:avLst/>
-          </a:prstGeom>
-          <a:noFill/>
-          <a:ln>
-            <a:noFill/>
-          </a:ln>
-        </p:spPr>
-        <p:txBody>
-          <a:bodyPr anchorCtr="0" anchor="t" bIns="91425" lIns="91425" rIns="91425" tIns="91425">
-            <a:noAutofit/>
-          </a:bodyPr>
-          <a:lstStyle/>
-          <a:p>
-            <a:pPr lvl="0" rtl="0">
-              <a:spcBef>
-                <a:spcPts val="0"/>
-              </a:spcBef>
-              <a:buNone/>
-            </a:pPr>
-            <a:r>
-              <a:rPr lang="en" sz="1200">
-                <a:latin typeface="Roboto"/>
-                <a:ea typeface="Roboto"/>
-                <a:cs typeface="Roboto"/>
-                <a:sym typeface="Roboto"/>
-              </a:rPr>
-              <a:t>Forked code</a:t>
-            </a:r>
-          </a:p>
-        </p:txBody>
-      </p:sp>
-      <p:sp>
-        <p:nvSpPr>
-          <p:cNvPr id="231" name="Shape 231"/>
-          <p:cNvSpPr/>
-          <p:nvPr/>
-        </p:nvSpPr>
-        <p:spPr>
-          <a:xfrm>
-            <a:off x="98250" y="5341100"/>
-            <a:ext cx="203100" cy="231900"/>
-          </a:xfrm>
-          <a:prstGeom prst="rect">
-            <a:avLst/>
-          </a:prstGeom>
-          <a:solidFill>
-            <a:srgbClr val="D0E8FF"/>
-          </a:solidFill>
-          <a:ln>
-            <a:noFill/>
-          </a:ln>
-        </p:spPr>
-        <p:txBody>
-          <a:bodyPr anchorCtr="0" anchor="ctr" bIns="91425" lIns="91425" rIns="91425" tIns="91425">
-            <a:noAutofit/>
-          </a:bodyPr>
-          <a:lstStyle/>
-          <a:p>
-            <a:pPr lvl="0">
-              <a:spcBef>
-                <a:spcPts val="0"/>
-              </a:spcBef>
-              <a:buNone/>
-            </a:pPr>
-            <a:r>
-              <a:t/>
-            </a:r>
-            <a:endParaRPr/>
-          </a:p>
-        </p:txBody>
-      </p:sp>
-      <p:sp>
-        <p:nvSpPr>
-          <p:cNvPr id="232" name="Shape 232"/>
-          <p:cNvSpPr txBox="1"/>
-          <p:nvPr/>
-        </p:nvSpPr>
-        <p:spPr>
-          <a:xfrm>
-            <a:off x="375412" y="5268625"/>
-            <a:ext cx="1412400" cy="231900"/>
-          </a:xfrm>
-          <a:prstGeom prst="rect">
-            <a:avLst/>
-          </a:prstGeom>
-          <a:noFill/>
-          <a:ln>
-            <a:noFill/>
-          </a:ln>
-        </p:spPr>
-        <p:txBody>
-          <a:bodyPr anchorCtr="0" anchor="t" bIns="91425" lIns="91425" rIns="91425" tIns="91425">
-            <a:noAutofit/>
-          </a:bodyPr>
-          <a:lstStyle/>
-          <a:p>
-            <a:pPr lvl="0" rtl="0">
-              <a:spcBef>
-                <a:spcPts val="0"/>
-              </a:spcBef>
-              <a:buNone/>
-            </a:pPr>
-            <a:r>
-              <a:rPr lang="en" sz="1200">
-                <a:latin typeface="Roboto"/>
-                <a:ea typeface="Roboto"/>
-                <a:cs typeface="Roboto"/>
-                <a:sym typeface="Roboto"/>
-              </a:rPr>
-              <a:t>Common code</a:t>
-            </a:r>
-          </a:p>
-        </p:txBody>
-      </p:sp>
     </p:spTree>
   </p:cSld>
   <p:clrMapOvr>
@@ -12388,7 +12674,7 @@
   <p:cSld>
     <p:spTree>
       <p:nvGrpSpPr>
-        <p:cNvPr id="236" name="Shape 236"/>
+        <p:cNvPr id="234" name="Shape 234"/>
         <p:cNvGrpSpPr/>
         <p:nvPr/>
       </p:nvGrpSpPr>
@@ -12402,7 +12688,7 @@
       </p:grpSpPr>
       <p:sp>
         <p:nvSpPr>
-          <p:cNvPr id="237" name="Shape 237"/>
+          <p:cNvPr id="235" name="Shape 235"/>
           <p:cNvSpPr txBox="1"/>
           <p:nvPr>
             <p:ph type="title"/>
@@ -12410,15 +12696,15 @@
         </p:nvSpPr>
         <p:spPr>
           <a:xfrm>
-            <a:off x="460950" y="421375"/>
-            <a:ext cx="8222100" cy="1116600"/>
-          </a:xfrm>
-          <a:prstGeom prst="rect">
-            <a:avLst/>
-          </a:prstGeom>
-        </p:spPr>
-        <p:txBody>
-          <a:bodyPr anchorCtr="0" anchor="b" bIns="91425" lIns="91425" rIns="91425" tIns="91425">
+            <a:off x="98250" y="21800"/>
+            <a:ext cx="8826600" cy="803700"/>
+          </a:xfrm>
+          <a:prstGeom prst="rect">
+            <a:avLst/>
+          </a:prstGeom>
+        </p:spPr>
+        <p:txBody>
+          <a:bodyPr anchorCtr="0" anchor="ctr" bIns="91425" lIns="91425" rIns="91425" tIns="91425">
             <a:noAutofit/>
           </a:bodyPr>
           <a:lstStyle/>
@@ -12431,14 +12717,14 @@
             </a:pPr>
             <a:r>
               <a:rPr lang="en"/>
-              <a:t>Future Work (1)</a:t>
+              <a:t>Benchmarks : Undertow</a:t>
             </a:r>
           </a:p>
         </p:txBody>
       </p:sp>
       <p:sp>
         <p:nvSpPr>
-          <p:cNvPr id="238" name="Shape 238"/>
+          <p:cNvPr id="236" name="Shape 236"/>
           <p:cNvSpPr txBox="1"/>
           <p:nvPr>
             <p:ph idx="12" type="sldNum"/>
@@ -12472,215 +12758,33 @@
           </a:p>
         </p:txBody>
       </p:sp>
-      <p:sp>
-        <p:nvSpPr>
-          <p:cNvPr id="239" name="Shape 239"/>
-          <p:cNvSpPr txBox="1"/>
-          <p:nvPr>
-            <p:ph idx="1" type="body"/>
-          </p:nvPr>
-        </p:nvSpPr>
-        <p:spPr>
-          <a:xfrm>
-            <a:off x="471900" y="2558766"/>
-            <a:ext cx="8222100" cy="3613500"/>
-          </a:xfrm>
-          <a:prstGeom prst="rect">
-            <a:avLst/>
-          </a:prstGeom>
-        </p:spPr>
-        <p:txBody>
-          <a:bodyPr anchorCtr="0" anchor="t" bIns="91425" lIns="91425" rIns="91425" tIns="91425">
-            <a:noAutofit/>
-          </a:bodyPr>
-          <a:lstStyle/>
-          <a:p>
-            <a:pPr indent="-228600" lvl="0" marL="457200" rtl="0">
-              <a:lnSpc>
-                <a:spcPct val="150000"/>
-              </a:lnSpc>
-              <a:spcBef>
-                <a:spcPts val="0"/>
-              </a:spcBef>
-              <a:buClr>
-                <a:schemeClr val="dk2"/>
-              </a:buClr>
-            </a:pPr>
-            <a:r>
-              <a:rPr lang="en">
-                <a:solidFill>
-                  <a:schemeClr val="dk2"/>
-                </a:solidFill>
-              </a:rPr>
-              <a:t>Implement Dynamic Loading</a:t>
-            </a:r>
-          </a:p>
-          <a:p>
-            <a:pPr indent="-228600" lvl="1" marL="914400" rtl="0">
-              <a:lnSpc>
-                <a:spcPct val="150000"/>
-              </a:lnSpc>
-              <a:spcBef>
-                <a:spcPts val="0"/>
-              </a:spcBef>
-              <a:buClr>
-                <a:schemeClr val="dk2"/>
-              </a:buClr>
-            </a:pPr>
-            <a:r>
-              <a:rPr lang="en">
-                <a:solidFill>
-                  <a:schemeClr val="dk2"/>
-                </a:solidFill>
-              </a:rPr>
-              <a:t>Big boon for the project</a:t>
-            </a:r>
-          </a:p>
-          <a:p>
-            <a:pPr indent="-228600" lvl="0" marL="457200" rtl="0">
-              <a:lnSpc>
-                <a:spcPct val="150000"/>
-              </a:lnSpc>
-              <a:spcBef>
-                <a:spcPts val="0"/>
-              </a:spcBef>
-              <a:buClr>
-                <a:schemeClr val="dk2"/>
-              </a:buClr>
-            </a:pPr>
-            <a:r>
-              <a:rPr lang="en">
-                <a:solidFill>
-                  <a:schemeClr val="dk2"/>
-                </a:solidFill>
-              </a:rPr>
-              <a:t>Implement TLS Sessions</a:t>
-            </a:r>
-          </a:p>
-          <a:p>
-            <a:pPr indent="-228600" lvl="1" marL="914400" rtl="0">
-              <a:lnSpc>
-                <a:spcPct val="150000"/>
-              </a:lnSpc>
-              <a:spcBef>
-                <a:spcPts val="0"/>
-              </a:spcBef>
-              <a:buClr>
-                <a:schemeClr val="dk2"/>
-              </a:buClr>
-            </a:pPr>
-            <a:r>
-              <a:rPr lang="en">
-                <a:solidFill>
-                  <a:schemeClr val="dk2"/>
-                </a:solidFill>
-              </a:rPr>
-              <a:t>Can only be done in Undertow for now</a:t>
-            </a:r>
-          </a:p>
-          <a:p>
-            <a:pPr indent="-228600" lvl="1" marL="914400" rtl="0">
-              <a:lnSpc>
-                <a:spcPct val="150000"/>
-              </a:lnSpc>
-              <a:spcBef>
-                <a:spcPts val="0"/>
-              </a:spcBef>
-              <a:buClr>
-                <a:schemeClr val="dk2"/>
-              </a:buClr>
-            </a:pPr>
-            <a:r>
-              <a:rPr lang="en">
-                <a:solidFill>
-                  <a:schemeClr val="dk2"/>
-                </a:solidFill>
-              </a:rPr>
-              <a:t>Was not important for a prototype</a:t>
-            </a:r>
-          </a:p>
-          <a:p>
-            <a:pPr indent="-228600" lvl="0" marL="457200" rtl="0">
-              <a:lnSpc>
-                <a:spcPct val="150000"/>
-              </a:lnSpc>
-              <a:spcBef>
-                <a:spcPts val="0"/>
-              </a:spcBef>
-              <a:buClr>
-                <a:schemeClr val="dk2"/>
-              </a:buClr>
-            </a:pPr>
-            <a:r>
-              <a:rPr lang="en">
-                <a:solidFill>
-                  <a:schemeClr val="dk2"/>
-                </a:solidFill>
-              </a:rPr>
-              <a:t>Implement OpenSSL handshake callback</a:t>
-            </a:r>
-          </a:p>
-          <a:p>
-            <a:pPr indent="-228600" lvl="1" marL="914400" rtl="0">
-              <a:lnSpc>
-                <a:spcPct val="150000"/>
-              </a:lnSpc>
-              <a:spcBef>
-                <a:spcPts val="0"/>
-              </a:spcBef>
-              <a:buClr>
-                <a:schemeClr val="dk2"/>
-              </a:buClr>
-            </a:pPr>
-            <a:r>
-              <a:rPr lang="en">
-                <a:solidFill>
-                  <a:schemeClr val="dk2"/>
-                </a:solidFill>
-              </a:rPr>
-              <a:t>Do not rely on a hack</a:t>
-            </a:r>
-          </a:p>
-          <a:p>
-            <a:pPr lvl="0" marR="0" rtl="0" algn="l">
-              <a:lnSpc>
-                <a:spcPct val="115000"/>
-              </a:lnSpc>
-              <a:spcBef>
-                <a:spcPts val="0"/>
-              </a:spcBef>
-              <a:spcAft>
-                <a:spcPts val="1600"/>
-              </a:spcAft>
-              <a:buNone/>
-            </a:pPr>
-            <a:r>
-              <a:t/>
-            </a:r>
-            <a:endParaRPr>
-              <a:solidFill>
-                <a:schemeClr val="dk2"/>
-              </a:solidFill>
-            </a:endParaRPr>
-          </a:p>
-          <a:p>
-            <a:pPr lvl="0" rtl="0">
-              <a:spcBef>
-                <a:spcPts val="0"/>
-              </a:spcBef>
-              <a:buNone/>
-            </a:pPr>
-            <a:r>
-              <a:t/>
-            </a:r>
-            <a:endParaRPr>
-              <a:solidFill>
-                <a:schemeClr val="dk2"/>
-              </a:solidFill>
-            </a:endParaRPr>
-          </a:p>
-        </p:txBody>
-      </p:sp>
+      <p:pic>
+        <p:nvPicPr>
+          <p:cNvPr descr="undertow-throughput.png" id="237" name="Shape 237"/>
+          <p:cNvPicPr preferRelativeResize="0"/>
+          <p:nvPr/>
+        </p:nvPicPr>
+        <p:blipFill rotWithShape="1">
+          <a:blip r:embed="rId3">
+            <a:alphaModFix/>
+          </a:blip>
+          <a:srcRect b="3305" l="0" r="0" t="3305"/>
+          <a:stretch/>
+        </p:blipFill>
+        <p:spPr>
+          <a:xfrm>
+            <a:off x="632625" y="1359850"/>
+            <a:ext cx="7878747" cy="4177425"/>
+          </a:xfrm>
+          <a:prstGeom prst="rect">
+            <a:avLst/>
+          </a:prstGeom>
+          <a:noFill/>
+          <a:ln>
+            <a:noFill/>
+          </a:ln>
+        </p:spPr>
+      </p:pic>
     </p:spTree>
   </p:cSld>
   <p:clrMapOvr>
@@ -12694,7 +12798,7 @@
   <p:cSld>
     <p:spTree>
       <p:nvGrpSpPr>
-        <p:cNvPr id="243" name="Shape 243"/>
+        <p:cNvPr id="241" name="Shape 241"/>
         <p:cNvGrpSpPr/>
         <p:nvPr/>
       </p:nvGrpSpPr>
@@ -12708,7 +12812,7 @@
       </p:grpSpPr>
       <p:sp>
         <p:nvSpPr>
-          <p:cNvPr id="244" name="Shape 244"/>
+          <p:cNvPr id="242" name="Shape 242"/>
           <p:cNvSpPr txBox="1"/>
           <p:nvPr>
             <p:ph type="title"/>
@@ -12737,14 +12841,14 @@
             </a:pPr>
             <a:r>
               <a:rPr lang="en"/>
-              <a:t>Future Work (2)</a:t>
+              <a:t>Future Work (1)</a:t>
             </a:r>
           </a:p>
         </p:txBody>
       </p:sp>
       <p:sp>
         <p:nvSpPr>
-          <p:cNvPr id="245" name="Shape 245"/>
+          <p:cNvPr id="243" name="Shape 243"/>
           <p:cNvSpPr txBox="1"/>
           <p:nvPr>
             <p:ph idx="12" type="sldNum"/>
@@ -12780,7 +12884,7 @@
       </p:sp>
       <p:sp>
         <p:nvSpPr>
-          <p:cNvPr id="246" name="Shape 246"/>
+          <p:cNvPr id="244" name="Shape 244"/>
           <p:cNvSpPr txBox="1"/>
           <p:nvPr>
             <p:ph idx="1" type="body"/>
@@ -12818,7 +12922,7 @@
                   <a:schemeClr val="dk2"/>
                 </a:solidFill>
               </a:rPr>
-              <a:t>Better integration with Undertow</a:t>
+              <a:t>Implement Dynamic Loading</a:t>
             </a:r>
           </a:p>
           <a:p>
@@ -12839,8 +12943,15 @@
                   <a:schemeClr val="dk2"/>
                 </a:solidFill>
               </a:rPr>
-              <a:t>ALPN callback always accept H2</a:t>
+              <a:t>Big boon for the project</a:t>
             </a:r>
+            <a:br>
+              <a:rPr lang="en">
+                <a:solidFill>
+                  <a:schemeClr val="dk2"/>
+                </a:solidFill>
+              </a:rPr>
+            </a:br>
           </a:p>
           <a:p>
             <a:pPr indent="-228600" lvl="0" marL="457200" rtl="0">
@@ -12860,7 +12971,7 @@
                   <a:schemeClr val="dk2"/>
                 </a:solidFill>
               </a:rPr>
-              <a:t>Multi platform support</a:t>
+              <a:t>Implement TLS Sessions</a:t>
             </a:r>
           </a:p>
           <a:p>
@@ -12881,8 +12992,122 @@
                   <a:schemeClr val="dk2"/>
                 </a:solidFill>
               </a:rPr>
-              <a:t>Only compatible with POSIX platforms</a:t>
+              <a:t>Incomplete support in current Tomcat-Native</a:t>
             </a:r>
+          </a:p>
+          <a:p>
+            <a:pPr indent="-228600" lvl="1" marL="914400" rtl="0">
+              <a:lnSpc>
+                <a:spcPct val="150000"/>
+              </a:lnSpc>
+              <a:spcBef>
+                <a:spcPts val="0"/>
+              </a:spcBef>
+              <a:buClr>
+                <a:schemeClr val="dk2"/>
+              </a:buClr>
+            </a:pPr>
+            <a:r>
+              <a:rPr lang="en">
+                <a:solidFill>
+                  <a:schemeClr val="dk2"/>
+                </a:solidFill>
+              </a:rPr>
+              <a:t>Was not important for a prototype</a:t>
+            </a:r>
+            <a:br>
+              <a:rPr lang="en">
+                <a:solidFill>
+                  <a:schemeClr val="dk2"/>
+                </a:solidFill>
+              </a:rPr>
+            </a:br>
+          </a:p>
+          <a:p>
+            <a:pPr indent="-342900" lvl="0" marL="457200" rtl="0">
+              <a:lnSpc>
+                <a:spcPct val="150000"/>
+              </a:lnSpc>
+              <a:spcBef>
+                <a:spcPts val="0"/>
+              </a:spcBef>
+              <a:buClr>
+                <a:schemeClr val="dk2"/>
+              </a:buClr>
+              <a:buSzPct val="100000"/>
+            </a:pPr>
+            <a:r>
+              <a:rPr lang="en" sz="1800">
+                <a:solidFill>
+                  <a:schemeClr val="dk2"/>
+                </a:solidFill>
+              </a:rPr>
+              <a:t>Better integration with Undertow</a:t>
+            </a:r>
+          </a:p>
+          <a:p>
+            <a:pPr indent="-228600" lvl="1" marL="914400" rtl="0">
+              <a:lnSpc>
+                <a:spcPct val="150000"/>
+              </a:lnSpc>
+              <a:spcBef>
+                <a:spcPts val="0"/>
+              </a:spcBef>
+              <a:buClr>
+                <a:schemeClr val="dk2"/>
+              </a:buClr>
+            </a:pPr>
+            <a:r>
+              <a:rPr lang="en">
+                <a:solidFill>
+                  <a:schemeClr val="dk2"/>
+                </a:solidFill>
+              </a:rPr>
+              <a:t>ALPN callback always prefers H2</a:t>
+            </a:r>
+          </a:p>
+          <a:p>
+            <a:pPr indent="-228600" lvl="1" marL="914400" rtl="0">
+              <a:lnSpc>
+                <a:spcPct val="150000"/>
+              </a:lnSpc>
+              <a:spcBef>
+                <a:spcPts val="0"/>
+              </a:spcBef>
+              <a:buClr>
+                <a:schemeClr val="dk2"/>
+              </a:buClr>
+            </a:pPr>
+            <a:r>
+              <a:rPr lang="en">
+                <a:solidFill>
+                  <a:schemeClr val="dk2"/>
+                </a:solidFill>
+              </a:rPr>
+              <a:t>SSL client mode unsupported</a:t>
+            </a:r>
+          </a:p>
+          <a:p>
+            <a:pPr lvl="0" marR="0" rtl="0" algn="l">
+              <a:lnSpc>
+                <a:spcPct val="115000"/>
+              </a:lnSpc>
+              <a:spcBef>
+                <a:spcPts val="0"/>
+              </a:spcBef>
+              <a:spcAft>
+                <a:spcPts val="1600"/>
+              </a:spcAft>
+              <a:buNone/>
+            </a:pPr>
+            <a:r>
+              <a:t/>
+            </a:r>
+            <a:endParaRPr>
+              <a:solidFill>
+                <a:schemeClr val="dk2"/>
+              </a:solidFill>
+            </a:endParaRPr>
           </a:p>
           <a:p>
             <a:pPr lvl="0" rtl="0">
@@ -12915,7 +13140,7 @@
   <p:cSld>
     <p:spTree>
       <p:nvGrpSpPr>
-        <p:cNvPr id="250" name="Shape 250"/>
+        <p:cNvPr id="248" name="Shape 248"/>
         <p:cNvGrpSpPr/>
         <p:nvPr/>
       </p:nvGrpSpPr>
@@ -12929,7 +13154,7 @@
       </p:grpSpPr>
       <p:sp>
         <p:nvSpPr>
-          <p:cNvPr id="251" name="Shape 251"/>
+          <p:cNvPr id="249" name="Shape 249"/>
           <p:cNvSpPr txBox="1"/>
           <p:nvPr>
             <p:ph type="title"/>
@@ -12950,6 +13175,260 @@
           </a:bodyPr>
           <a:lstStyle/>
           <a:p>
+            <a:pPr lvl="0" rtl="0">
+              <a:spcBef>
+                <a:spcPts val="0"/>
+              </a:spcBef>
+              <a:buNone/>
+            </a:pPr>
+            <a:r>
+              <a:rPr lang="en"/>
+              <a:t>Future Work (2)</a:t>
+            </a:r>
+          </a:p>
+        </p:txBody>
+      </p:sp>
+      <p:sp>
+        <p:nvSpPr>
+          <p:cNvPr id="250" name="Shape 250"/>
+          <p:cNvSpPr txBox="1"/>
+          <p:nvPr>
+            <p:ph idx="12" type="sldNum"/>
+          </p:nvPr>
+        </p:nvSpPr>
+        <p:spPr>
+          <a:xfrm>
+            <a:off x="8523541" y="6260830"/>
+            <a:ext cx="548700" cy="524700"/>
+          </a:xfrm>
+          <a:prstGeom prst="rect">
+            <a:avLst/>
+          </a:prstGeom>
+        </p:spPr>
+        <p:txBody>
+          <a:bodyPr anchorCtr="0" anchor="ctr" bIns="91425" lIns="91425" rIns="91425" tIns="91425">
+            <a:noAutofit/>
+          </a:bodyPr>
+          <a:lstStyle/>
+          <a:p>
+            <a:pPr lvl="0" rtl="0">
+              <a:spcBef>
+                <a:spcPts val="0"/>
+              </a:spcBef>
+              <a:buNone/>
+            </a:pPr>
+            <a:fld id="{00000000-1234-1234-1234-123412341234}" type="slidenum">
+              <a:rPr lang="en"/>
+              <a:t>‹#›</a:t>
+            </a:fld>
+          </a:p>
+        </p:txBody>
+      </p:sp>
+      <p:sp>
+        <p:nvSpPr>
+          <p:cNvPr id="251" name="Shape 251"/>
+          <p:cNvSpPr txBox="1"/>
+          <p:nvPr>
+            <p:ph idx="1" type="body"/>
+          </p:nvPr>
+        </p:nvSpPr>
+        <p:spPr>
+          <a:xfrm>
+            <a:off x="471900" y="2558766"/>
+            <a:ext cx="8222100" cy="3613500"/>
+          </a:xfrm>
+          <a:prstGeom prst="rect">
+            <a:avLst/>
+          </a:prstGeom>
+        </p:spPr>
+        <p:txBody>
+          <a:bodyPr anchorCtr="0" anchor="t" bIns="91425" lIns="91425" rIns="91425" tIns="91425">
+            <a:noAutofit/>
+          </a:bodyPr>
+          <a:lstStyle/>
+          <a:p>
+            <a:pPr indent="-228600" lvl="0" marL="457200" rtl="0">
+              <a:lnSpc>
+                <a:spcPct val="150000"/>
+              </a:lnSpc>
+              <a:spcBef>
+                <a:spcPts val="0"/>
+              </a:spcBef>
+              <a:buClr>
+                <a:schemeClr val="dk2"/>
+              </a:buClr>
+            </a:pPr>
+            <a:r>
+              <a:rPr lang="en">
+                <a:solidFill>
+                  <a:schemeClr val="dk2"/>
+                </a:solidFill>
+              </a:rPr>
+              <a:t>Implement OpenSSL handshake callback</a:t>
+            </a:r>
+          </a:p>
+          <a:p>
+            <a:pPr indent="-342900" lvl="1" marL="914400" marR="0" rtl="0" algn="l">
+              <a:lnSpc>
+                <a:spcPct val="150000"/>
+              </a:lnSpc>
+              <a:spcBef>
+                <a:spcPts val="0"/>
+              </a:spcBef>
+              <a:spcAft>
+                <a:spcPts val="1600"/>
+              </a:spcAft>
+              <a:buClr>
+                <a:schemeClr val="dk2"/>
+              </a:buClr>
+              <a:buSzPct val="128571"/>
+              <a:buFont typeface="Roboto"/>
+            </a:pPr>
+            <a:r>
+              <a:rPr lang="en" sz="1400">
+                <a:solidFill>
+                  <a:schemeClr val="dk2"/>
+                </a:solidFill>
+              </a:rPr>
+              <a:t>Do not rely on a hack</a:t>
+            </a:r>
+            <a:br>
+              <a:rPr lang="en">
+                <a:solidFill>
+                  <a:schemeClr val="dk2"/>
+                </a:solidFill>
+              </a:rPr>
+            </a:br>
+          </a:p>
+          <a:p>
+            <a:pPr indent="-228600" lvl="0" marL="457200" rtl="0">
+              <a:lnSpc>
+                <a:spcPct val="150000"/>
+              </a:lnSpc>
+              <a:spcBef>
+                <a:spcPts val="0"/>
+              </a:spcBef>
+              <a:buClr>
+                <a:schemeClr val="dk2"/>
+              </a:buClr>
+            </a:pPr>
+            <a:r>
+              <a:rPr lang="en">
+                <a:solidFill>
+                  <a:schemeClr val="dk2"/>
+                </a:solidFill>
+              </a:rPr>
+              <a:t>Cross-platform support</a:t>
+            </a:r>
+          </a:p>
+          <a:p>
+            <a:pPr indent="-228600" lvl="1" marL="914400" rtl="0">
+              <a:lnSpc>
+                <a:spcPct val="150000"/>
+              </a:lnSpc>
+              <a:spcBef>
+                <a:spcPts val="0"/>
+              </a:spcBef>
+              <a:buClr>
+                <a:schemeClr val="dk2"/>
+              </a:buClr>
+            </a:pPr>
+            <a:r>
+              <a:rPr lang="en">
+                <a:solidFill>
+                  <a:schemeClr val="dk2"/>
+                </a:solidFill>
+              </a:rPr>
+              <a:t>Currently only compatible with POSIX platforms</a:t>
+            </a:r>
+          </a:p>
+          <a:p>
+            <a:pPr indent="-228600" lvl="1" marL="914400" rtl="0">
+              <a:lnSpc>
+                <a:spcPct val="150000"/>
+              </a:lnSpc>
+              <a:spcBef>
+                <a:spcPts val="0"/>
+              </a:spcBef>
+              <a:buClr>
+                <a:schemeClr val="dk2"/>
+              </a:buClr>
+            </a:pPr>
+            <a:r>
+              <a:rPr lang="en">
+                <a:solidFill>
+                  <a:schemeClr val="dk2"/>
+                </a:solidFill>
+              </a:rPr>
+              <a:t>Target same platforms as original Tomcat Native</a:t>
+            </a:r>
+          </a:p>
+          <a:p>
+            <a:pPr lvl="0" rtl="0">
+              <a:spcBef>
+                <a:spcPts val="0"/>
+              </a:spcBef>
+              <a:buNone/>
+            </a:pPr>
+            <a:r>
+              <a:t/>
+            </a:r>
+            <a:endParaRPr>
+              <a:solidFill>
+                <a:schemeClr val="dk2"/>
+              </a:solidFill>
+            </a:endParaRPr>
+          </a:p>
+        </p:txBody>
+      </p:sp>
+    </p:spTree>
+  </p:cSld>
+  <p:clrMapOvr>
+    <a:masterClrMapping/>
+  </p:clrMapOvr>
+</p:sld>
+</file>
+
+<file path=ppt/slides/slide18.xml><?xml version="1.0" encoding="utf-8"?>
+<p:sld xmlns:a="http://schemas.openxmlformats.org/drawingml/2006/main" xmlns:r="http://schemas.openxmlformats.org/officeDocument/2006/relationships" xmlns:mc="http://schemas.openxmlformats.org/markup-compatibility/2006" xmlns:mv="urn:schemas-microsoft-com:mac:vml" xmlns:p="http://schemas.openxmlformats.org/presentationml/2006/main" xmlns:c="http://schemas.openxmlformats.org/drawingml/2006/chart" xmlns:dgm="http://schemas.openxmlformats.org/drawingml/2006/diagram" xmlns:o="urn:schemas-microsoft-com:office:office" xmlns:v="urn:schemas-microsoft-com:vml" xmlns:pvml="urn:schemas-microsoft-com:office:powerpoint" xmlns:com="http://schemas.openxmlformats.org/drawingml/2006/compatibility" xmlns:p14="http://schemas.microsoft.com/office/powerpoint/2010/main">
+  <p:cSld>
+    <p:spTree>
+      <p:nvGrpSpPr>
+        <p:cNvPr id="255" name="Shape 255"/>
+        <p:cNvGrpSpPr/>
+        <p:nvPr/>
+      </p:nvGrpSpPr>
+      <p:grpSpPr>
+        <a:xfrm>
+          <a:off x="0" y="0"/>
+          <a:ext cx="0" cy="0"/>
+          <a:chOff x="0" y="0"/>
+          <a:chExt cx="0" cy="0"/>
+        </a:xfrm>
+      </p:grpSpPr>
+      <p:sp>
+        <p:nvSpPr>
+          <p:cNvPr id="256" name="Shape 256"/>
+          <p:cNvSpPr txBox="1"/>
+          <p:nvPr>
+            <p:ph type="title"/>
+          </p:nvPr>
+        </p:nvSpPr>
+        <p:spPr>
+          <a:xfrm>
+            <a:off x="460950" y="421375"/>
+            <a:ext cx="8222100" cy="1116600"/>
+          </a:xfrm>
+          <a:prstGeom prst="rect">
+            <a:avLst/>
+          </a:prstGeom>
+        </p:spPr>
+        <p:txBody>
+          <a:bodyPr anchorCtr="0" anchor="b" bIns="91425" lIns="91425" rIns="91425" tIns="91425">
+            <a:noAutofit/>
+          </a:bodyPr>
+          <a:lstStyle/>
+          <a:p>
             <a:pPr lvl="0">
               <a:spcBef>
                 <a:spcPts val="0"/>
@@ -12965,7 +13444,7 @@
       </p:sp>
       <p:pic>
         <p:nvPicPr>
-          <p:cNvPr descr="question-mark.png" id="252" name="Shape 252"/>
+          <p:cNvPr descr="question-mark.png" id="257" name="Shape 257"/>
           <p:cNvPicPr preferRelativeResize="0"/>
           <p:nvPr/>
         </p:nvPicPr>
@@ -12993,7 +13472,7 @@
       </p:pic>
       <p:sp>
         <p:nvSpPr>
-          <p:cNvPr id="253" name="Shape 253"/>
+          <p:cNvPr id="258" name="Shape 258"/>
           <p:cNvSpPr txBox="1"/>
           <p:nvPr>
             <p:ph idx="12" type="sldNum"/>
@@ -13170,7 +13649,7 @@
                   <a:schemeClr val="dk2"/>
                 </a:solidFill>
               </a:rPr>
-              <a:t>Benchmarks</a:t>
+              <a:t>Issues</a:t>
             </a:r>
           </a:p>
           <a:p>
@@ -13191,7 +13670,7 @@
                   <a:schemeClr val="dk2"/>
                 </a:solidFill>
               </a:rPr>
-              <a:t>Issues</a:t>
+              <a:t>Benchmarks</a:t>
             </a:r>
           </a:p>
           <a:p>
@@ -13212,7 +13691,7 @@
                   <a:schemeClr val="dk2"/>
                 </a:solidFill>
               </a:rPr>
-              <a:t>Future Works</a:t>
+              <a:t>Future Work</a:t>
             </a:r>
           </a:p>
         </p:txBody>
@@ -13870,8 +14349,15 @@
                   <a:schemeClr val="dk2"/>
                 </a:solidFill>
               </a:rPr>
-              <a:t>SSL/TLS performance aren’t great</a:t>
+              <a:t>SSL/TLS performance is not great</a:t>
             </a:r>
+            <a:br>
+              <a:rPr lang="en">
+                <a:solidFill>
+                  <a:schemeClr val="dk2"/>
+                </a:solidFill>
+              </a:rPr>
+            </a:br>
           </a:p>
           <a:p>
             <a:pPr indent="-228600" lvl="0" marL="457200" rtl="0">
@@ -14171,7 +14657,7 @@
             </a:pPr>
             <a:r>
               <a:rPr lang="en"/>
-              <a:t>New State : Tomcat Native 2</a:t>
+              <a:t>New State: Tomcat Native 2</a:t>
             </a:r>
           </a:p>
         </p:txBody>
@@ -14480,7 +14966,7 @@
             </a:pPr>
             <a:r>
               <a:rPr lang="en"/>
-              <a:t>Tomcat Native 2 in Tomcat/Undertow</a:t>
+              <a:t>What has been accomplished: Tomcat Native 2 in Tomcat/Undertow</a:t>
             </a:r>
           </a:p>
         </p:txBody>
@@ -14604,7 +15090,7 @@
             </a:pPr>
             <a:r>
               <a:rPr lang="en"/>
-              <a:t>What has been accomplished (2)</a:t>
+              <a:t>What has been accomplished </a:t>
             </a:r>
           </a:p>
         </p:txBody>
@@ -14670,7 +15156,7 @@
           <a:p>
             <a:pPr indent="-228600" lvl="0" marL="457200" rtl="0">
               <a:lnSpc>
-                <a:spcPct val="150000"/>
+                <a:spcPct val="200000"/>
               </a:lnSpc>
               <a:spcBef>
                 <a:spcPts val="0"/>
@@ -14691,7 +15177,7 @@
           <a:p>
             <a:pPr indent="-228600" lvl="0" marL="457200" rtl="0">
               <a:lnSpc>
-                <a:spcPct val="150000"/>
+                <a:spcPct val="200000"/>
               </a:lnSpc>
               <a:spcBef>
                 <a:spcPts val="0"/>
@@ -14712,7 +15198,7 @@
           <a:p>
             <a:pPr indent="-330200" lvl="1" marL="914400" rtl="0">
               <a:lnSpc>
-                <a:spcPct val="150000"/>
+                <a:spcPct val="200000"/>
               </a:lnSpc>
               <a:spcBef>
                 <a:spcPts val="0"/>
@@ -14734,7 +15220,7 @@
           <a:p>
             <a:pPr indent="-228600" lvl="0" marL="457200" rtl="0">
               <a:lnSpc>
-                <a:spcPct val="150000"/>
+                <a:spcPct val="200000"/>
               </a:lnSpc>
               <a:spcBef>
                 <a:spcPts val="0"/>
@@ -14755,7 +15241,7 @@
           <a:p>
             <a:pPr indent="-228600" lvl="0" marL="457200" rtl="0">
               <a:lnSpc>
-                <a:spcPct val="150000"/>
+                <a:spcPct val="200000"/>
               </a:lnSpc>
               <a:spcBef>
                 <a:spcPts val="0"/>

--- a/final-pres/final_workshop_pres.pptx
+++ b/final-pres/final_workshop_pres.pptx
@@ -12992,27 +12992,6 @@
                   <a:schemeClr val="dk2"/>
                 </a:solidFill>
               </a:rPr>
-              <a:t>Incomplete support in current Tomcat-Native</a:t>
-            </a:r>
-          </a:p>
-          <a:p>
-            <a:pPr indent="-228600" lvl="1" marL="914400" rtl="0">
-              <a:lnSpc>
-                <a:spcPct val="150000"/>
-              </a:lnSpc>
-              <a:spcBef>
-                <a:spcPts val="0"/>
-              </a:spcBef>
-              <a:buClr>
-                <a:schemeClr val="dk2"/>
-              </a:buClr>
-            </a:pPr>
-            <a:r>
-              <a:rPr lang="en">
-                <a:solidFill>
-                  <a:schemeClr val="dk2"/>
-                </a:solidFill>
-              </a:rPr>
               <a:t>Was not important for a prototype</a:t>
             </a:r>
             <a:br>
@@ -15300,44 +15279,44 @@
 </file>
 
 <file path=ppt/theme/theme1.xml><?xml version="1.0" encoding="utf-8"?>
-<a:theme xmlns:a="http://schemas.openxmlformats.org/drawingml/2006/main" xmlns:r="http://schemas.openxmlformats.org/officeDocument/2006/relationships" name="Custom Theme">
+<a:theme xmlns:a="http://schemas.openxmlformats.org/drawingml/2006/main" xmlns:r="http://schemas.openxmlformats.org/officeDocument/2006/relationships" name="material">
   <a:themeElements>
-    <a:clrScheme name="Default">
+    <a:clrScheme name="Material">
       <a:dk1>
-        <a:srgbClr val="000000"/>
+        <a:srgbClr val="4285F4"/>
       </a:dk1>
       <a:lt1>
         <a:srgbClr val="FFFFFF"/>
       </a:lt1>
       <a:dk2>
-        <a:srgbClr val="158158"/>
+        <a:srgbClr val="424242"/>
       </a:dk2>
       <a:lt2>
-        <a:srgbClr val="F3F3F3"/>
+        <a:srgbClr val="737373"/>
       </a:lt2>
       <a:accent1>
-        <a:srgbClr val="058DC7"/>
+        <a:srgbClr val="0277BD"/>
       </a:accent1>
       <a:accent2>
-        <a:srgbClr val="50B432"/>
+        <a:srgbClr val="0F9D58"/>
       </a:accent2>
       <a:accent3>
-        <a:srgbClr val="ED561B"/>
+        <a:srgbClr val="DB4437"/>
       </a:accent3>
       <a:accent4>
-        <a:srgbClr val="EDEF00"/>
+        <a:srgbClr val="FAFAFA"/>
       </a:accent4>
       <a:accent5>
-        <a:srgbClr val="24CBE5"/>
+        <a:srgbClr val="4FC3F7"/>
       </a:accent5>
       <a:accent6>
-        <a:srgbClr val="64E572"/>
+        <a:srgbClr val="F4B400"/>
       </a:accent6>
       <a:hlink>
-        <a:srgbClr val="2200CC"/>
+        <a:srgbClr val="4FC3F7"/>
       </a:hlink>
       <a:folHlink>
-        <a:srgbClr val="551A8B"/>
+        <a:srgbClr val="4FC3F7"/>
       </a:folHlink>
     </a:clrScheme>
     <a:fontScheme name="Office">
@@ -15579,44 +15558,44 @@
 </file>
 
 <file path=ppt/theme/theme2.xml><?xml version="1.0" encoding="utf-8"?>
-<a:theme xmlns:a="http://schemas.openxmlformats.org/drawingml/2006/main" xmlns:r="http://schemas.openxmlformats.org/officeDocument/2006/relationships" name="material">
+<a:theme xmlns:a="http://schemas.openxmlformats.org/drawingml/2006/main" xmlns:r="http://schemas.openxmlformats.org/officeDocument/2006/relationships" name="Custom Theme">
   <a:themeElements>
-    <a:clrScheme name="Material">
+    <a:clrScheme name="Default">
       <a:dk1>
-        <a:srgbClr val="4285F4"/>
+        <a:srgbClr val="000000"/>
       </a:dk1>
       <a:lt1>
         <a:srgbClr val="FFFFFF"/>
       </a:lt1>
       <a:dk2>
-        <a:srgbClr val="424242"/>
+        <a:srgbClr val="158158"/>
       </a:dk2>
       <a:lt2>
-        <a:srgbClr val="737373"/>
+        <a:srgbClr val="F3F3F3"/>
       </a:lt2>
       <a:accent1>
-        <a:srgbClr val="0277BD"/>
+        <a:srgbClr val="058DC7"/>
       </a:accent1>
       <a:accent2>
-        <a:srgbClr val="0F9D58"/>
+        <a:srgbClr val="50B432"/>
       </a:accent2>
       <a:accent3>
-        <a:srgbClr val="DB4437"/>
+        <a:srgbClr val="ED561B"/>
       </a:accent3>
       <a:accent4>
-        <a:srgbClr val="FAFAFA"/>
+        <a:srgbClr val="EDEF00"/>
       </a:accent4>
       <a:accent5>
-        <a:srgbClr val="4FC3F7"/>
+        <a:srgbClr val="24CBE5"/>
       </a:accent5>
       <a:accent6>
-        <a:srgbClr val="F4B400"/>
+        <a:srgbClr val="64E572"/>
       </a:accent6>
       <a:hlink>
-        <a:srgbClr val="4FC3F7"/>
+        <a:srgbClr val="2200CC"/>
       </a:hlink>
       <a:folHlink>
-        <a:srgbClr val="4FC3F7"/>
+        <a:srgbClr val="551A8B"/>
       </a:folHlink>
     </a:clrScheme>
     <a:fontScheme name="Office">
